--- a/PPTs/Docker on windows 10  - deploying flask app.pptx
+++ b/PPTs/Docker on windows 10  - deploying flask app.pptx
@@ -268,7 +268,7 @@
           <a:p>
             <a:fld id="{66EABCE0-6B0D-4CFD-9926-9FD9C4E5985F}" type="datetimeFigureOut">
               <a:rPr lang="en-IN" smtClean="0"/>
-              <a:t>15-06-2021</a:t>
+              <a:t>06-07-2021</a:t>
             </a:fld>
             <a:endParaRPr lang="en-IN"/>
           </a:p>
@@ -468,7 +468,7 @@
           <a:p>
             <a:fld id="{66EABCE0-6B0D-4CFD-9926-9FD9C4E5985F}" type="datetimeFigureOut">
               <a:rPr lang="en-IN" smtClean="0"/>
-              <a:t>15-06-2021</a:t>
+              <a:t>06-07-2021</a:t>
             </a:fld>
             <a:endParaRPr lang="en-IN"/>
           </a:p>
@@ -678,7 +678,7 @@
           <a:p>
             <a:fld id="{66EABCE0-6B0D-4CFD-9926-9FD9C4E5985F}" type="datetimeFigureOut">
               <a:rPr lang="en-IN" smtClean="0"/>
-              <a:t>15-06-2021</a:t>
+              <a:t>06-07-2021</a:t>
             </a:fld>
             <a:endParaRPr lang="en-IN"/>
           </a:p>
@@ -878,7 +878,7 @@
           <a:p>
             <a:fld id="{66EABCE0-6B0D-4CFD-9926-9FD9C4E5985F}" type="datetimeFigureOut">
               <a:rPr lang="en-IN" smtClean="0"/>
-              <a:t>15-06-2021</a:t>
+              <a:t>06-07-2021</a:t>
             </a:fld>
             <a:endParaRPr lang="en-IN"/>
           </a:p>
@@ -1154,7 +1154,7 @@
           <a:p>
             <a:fld id="{66EABCE0-6B0D-4CFD-9926-9FD9C4E5985F}" type="datetimeFigureOut">
               <a:rPr lang="en-IN" smtClean="0"/>
-              <a:t>15-06-2021</a:t>
+              <a:t>06-07-2021</a:t>
             </a:fld>
             <a:endParaRPr lang="en-IN"/>
           </a:p>
@@ -1422,7 +1422,7 @@
           <a:p>
             <a:fld id="{66EABCE0-6B0D-4CFD-9926-9FD9C4E5985F}" type="datetimeFigureOut">
               <a:rPr lang="en-IN" smtClean="0"/>
-              <a:t>15-06-2021</a:t>
+              <a:t>06-07-2021</a:t>
             </a:fld>
             <a:endParaRPr lang="en-IN"/>
           </a:p>
@@ -1837,7 +1837,7 @@
           <a:p>
             <a:fld id="{66EABCE0-6B0D-4CFD-9926-9FD9C4E5985F}" type="datetimeFigureOut">
               <a:rPr lang="en-IN" smtClean="0"/>
-              <a:t>15-06-2021</a:t>
+              <a:t>06-07-2021</a:t>
             </a:fld>
             <a:endParaRPr lang="en-IN"/>
           </a:p>
@@ -1979,7 +1979,7 @@
           <a:p>
             <a:fld id="{66EABCE0-6B0D-4CFD-9926-9FD9C4E5985F}" type="datetimeFigureOut">
               <a:rPr lang="en-IN" smtClean="0"/>
-              <a:t>15-06-2021</a:t>
+              <a:t>06-07-2021</a:t>
             </a:fld>
             <a:endParaRPr lang="en-IN"/>
           </a:p>
@@ -2092,7 +2092,7 @@
           <a:p>
             <a:fld id="{66EABCE0-6B0D-4CFD-9926-9FD9C4E5985F}" type="datetimeFigureOut">
               <a:rPr lang="en-IN" smtClean="0"/>
-              <a:t>15-06-2021</a:t>
+              <a:t>06-07-2021</a:t>
             </a:fld>
             <a:endParaRPr lang="en-IN"/>
           </a:p>
@@ -2405,7 +2405,7 @@
           <a:p>
             <a:fld id="{66EABCE0-6B0D-4CFD-9926-9FD9C4E5985F}" type="datetimeFigureOut">
               <a:rPr lang="en-IN" smtClean="0"/>
-              <a:t>15-06-2021</a:t>
+              <a:t>06-07-2021</a:t>
             </a:fld>
             <a:endParaRPr lang="en-IN"/>
           </a:p>
@@ -2694,7 +2694,7 @@
           <a:p>
             <a:fld id="{66EABCE0-6B0D-4CFD-9926-9FD9C4E5985F}" type="datetimeFigureOut">
               <a:rPr lang="en-IN" smtClean="0"/>
-              <a:t>15-06-2021</a:t>
+              <a:t>06-07-2021</a:t>
             </a:fld>
             <a:endParaRPr lang="en-IN"/>
           </a:p>
@@ -2937,7 +2937,7 @@
           <a:p>
             <a:fld id="{66EABCE0-6B0D-4CFD-9926-9FD9C4E5985F}" type="datetimeFigureOut">
               <a:rPr lang="en-IN" smtClean="0"/>
-              <a:t>15-06-2021</a:t>
+              <a:t>06-07-2021</a:t>
             </a:fld>
             <a:endParaRPr lang="en-IN"/>
           </a:p>
@@ -4065,18 +4065,18 @@
               <a:buNone/>
             </a:pPr>
             <a:r>
+              <a:rPr lang="en-US" sz="1800">
+                <a:latin typeface="Courier New" panose="02070309020205020404" pitchFamily="49" charset="0"/>
+                <a:cs typeface="Courier New" panose="02070309020205020404" pitchFamily="49" charset="0"/>
+              </a:rPr>
+              <a:t>CMD [“app2.</a:t>
+            </a:r>
+            <a:r>
               <a:rPr lang="en-US" sz="1800" dirty="0">
                 <a:latin typeface="Courier New" panose="02070309020205020404" pitchFamily="49" charset="0"/>
                 <a:cs typeface="Courier New" panose="02070309020205020404" pitchFamily="49" charset="0"/>
               </a:rPr>
-              <a:t>CMD ["webapp.</a:t>
-            </a:r>
-            <a:r>
-              <a:rPr lang="en-US" sz="1800">
-                <a:latin typeface="Courier New" panose="02070309020205020404" pitchFamily="49" charset="0"/>
-                <a:cs typeface="Courier New" panose="02070309020205020404" pitchFamily="49" charset="0"/>
-              </a:rPr>
-              <a:t>py"]s</a:t>
+              <a:t>py"]</a:t>
             </a:r>
             <a:endParaRPr lang="en-IN" sz="1800" dirty="0">
               <a:latin typeface="Courier New" panose="02070309020205020404" pitchFamily="49" charset="0"/>
